--- a/Lab2/Lab 2.pptx
+++ b/Lab2/Lab 2.pptx
@@ -4,9 +4,6 @@
   <p:sldMasterIdLst>
     <p:sldMasterId id="2147483648" r:id="rId1"/>
   </p:sldMasterIdLst>
-  <p:handoutMasterIdLst>
-    <p:handoutMasterId r:id="rId10"/>
-  </p:handoutMasterIdLst>
   <p:sldIdLst>
     <p:sldId id="256" r:id="rId2"/>
     <p:sldId id="258" r:id="rId3"/>
@@ -15,10 +12,9 @@
     <p:sldId id="268" r:id="rId6"/>
     <p:sldId id="267" r:id="rId7"/>
     <p:sldId id="269" r:id="rId8"/>
-    <p:sldId id="263" r:id="rId9"/>
   </p:sldIdLst>
   <p:sldSz cx="12192000" cy="6858000"/>
-  <p:notesSz cx="7010400" cy="9296400"/>
+  <p:notesSz cx="6858000" cy="9144000"/>
   <p:defaultTextStyle>
     <a:defPPr>
       <a:defRPr lang="en-US"/>
@@ -116,175 +112,21 @@
   </p:defaultTextStyle>
   <p:extLst>
     <p:ext uri="{EFAFB233-063F-42B5-8137-9DF3F51BA10A}">
-      <p15:sldGuideLst xmlns:p15="http://schemas.microsoft.com/office/powerpoint/2012/main"/>
+      <p15:sldGuideLst xmlns:p15="http://schemas.microsoft.com/office/powerpoint/2012/main">
+        <p15:guide id="1" orient="horz" pos="2160">
+          <p15:clr>
+            <a:srgbClr val="A4A3A4"/>
+          </p15:clr>
+        </p15:guide>
+        <p15:guide id="2" pos="3840">
+          <p15:clr>
+            <a:srgbClr val="A4A3A4"/>
+          </p15:clr>
+        </p15:guide>
+      </p15:sldGuideLst>
     </p:ext>
   </p:extLst>
 </p:presentation>
-</file>
-
-<file path=ppt/handoutMasters/handoutMaster1.xml><?xml version="1.0" encoding="utf-8"?>
-<p:handoutMaster xmlns:a="http://schemas.openxmlformats.org/drawingml/2006/main" xmlns:r="http://schemas.openxmlformats.org/officeDocument/2006/relationships" xmlns:p="http://schemas.openxmlformats.org/presentationml/2006/main">
-  <p:cSld>
-    <p:bg>
-      <p:bgRef idx="1001">
-        <a:schemeClr val="bg1"/>
-      </p:bgRef>
-    </p:bg>
-    <p:spTree>
-      <p:nvGrpSpPr>
-        <p:cNvPr id="1" name=""/>
-        <p:cNvGrpSpPr/>
-        <p:nvPr/>
-      </p:nvGrpSpPr>
-      <p:grpSpPr>
-        <a:xfrm>
-          <a:off x="0" y="0"/>
-          <a:ext cx="0" cy="0"/>
-          <a:chOff x="0" y="0"/>
-          <a:chExt cx="0" cy="0"/>
-        </a:xfrm>
-      </p:grpSpPr>
-      <p:sp>
-        <p:nvSpPr>
-          <p:cNvPr id="2" name="Header Placeholder 1"/>
-          <p:cNvSpPr>
-            <a:spLocks noGrp="1"/>
-          </p:cNvSpPr>
-          <p:nvPr>
-            <p:ph type="hdr" sz="quarter"/>
-          </p:nvPr>
-        </p:nvSpPr>
-        <p:spPr>
-          <a:xfrm>
-            <a:off x="0" y="0"/>
-            <a:ext cx="3037840" cy="466434"/>
-          </a:xfrm>
-          <a:prstGeom prst="rect">
-            <a:avLst/>
-          </a:prstGeom>
-        </p:spPr>
-        <p:txBody>
-          <a:bodyPr vert="horz" lIns="93177" tIns="46589" rIns="93177" bIns="46589" rtlCol="0"/>
-          <a:lstStyle>
-            <a:lvl1pPr algn="l">
-              <a:defRPr sz="1200"/>
-            </a:lvl1pPr>
-          </a:lstStyle>
-          <a:p>
-            <a:endParaRPr lang="en-US"/>
-          </a:p>
-        </p:txBody>
-      </p:sp>
-      <p:sp>
-        <p:nvSpPr>
-          <p:cNvPr id="3" name="Date Placeholder 2"/>
-          <p:cNvSpPr>
-            <a:spLocks noGrp="1"/>
-          </p:cNvSpPr>
-          <p:nvPr>
-            <p:ph type="dt" sz="quarter" idx="1"/>
-          </p:nvPr>
-        </p:nvSpPr>
-        <p:spPr>
-          <a:xfrm>
-            <a:off x="3970938" y="0"/>
-            <a:ext cx="3037840" cy="466434"/>
-          </a:xfrm>
-          <a:prstGeom prst="rect">
-            <a:avLst/>
-          </a:prstGeom>
-        </p:spPr>
-        <p:txBody>
-          <a:bodyPr vert="horz" lIns="93177" tIns="46589" rIns="93177" bIns="46589" rtlCol="0"/>
-          <a:lstStyle>
-            <a:lvl1pPr algn="r">
-              <a:defRPr sz="1200"/>
-            </a:lvl1pPr>
-          </a:lstStyle>
-          <a:p>
-            <a:fld id="{43828497-B133-47ED-BB19-42F4D3E0744C}" type="datetimeFigureOut">
-              <a:rPr lang="en-US" smtClean="0"/>
-              <a:t>8/14/2020</a:t>
-            </a:fld>
-            <a:endParaRPr lang="en-US"/>
-          </a:p>
-        </p:txBody>
-      </p:sp>
-      <p:sp>
-        <p:nvSpPr>
-          <p:cNvPr id="4" name="Footer Placeholder 3"/>
-          <p:cNvSpPr>
-            <a:spLocks noGrp="1"/>
-          </p:cNvSpPr>
-          <p:nvPr>
-            <p:ph type="ftr" sz="quarter" idx="2"/>
-          </p:nvPr>
-        </p:nvSpPr>
-        <p:spPr>
-          <a:xfrm>
-            <a:off x="0" y="8829967"/>
-            <a:ext cx="3037840" cy="466433"/>
-          </a:xfrm>
-          <a:prstGeom prst="rect">
-            <a:avLst/>
-          </a:prstGeom>
-        </p:spPr>
-        <p:txBody>
-          <a:bodyPr vert="horz" lIns="93177" tIns="46589" rIns="93177" bIns="46589" rtlCol="0" anchor="b"/>
-          <a:lstStyle>
-            <a:lvl1pPr algn="l">
-              <a:defRPr sz="1200"/>
-            </a:lvl1pPr>
-          </a:lstStyle>
-          <a:p>
-            <a:endParaRPr lang="en-US"/>
-          </a:p>
-        </p:txBody>
-      </p:sp>
-      <p:sp>
-        <p:nvSpPr>
-          <p:cNvPr id="5" name="Slide Number Placeholder 4"/>
-          <p:cNvSpPr>
-            <a:spLocks noGrp="1"/>
-          </p:cNvSpPr>
-          <p:nvPr>
-            <p:ph type="sldNum" sz="quarter" idx="3"/>
-          </p:nvPr>
-        </p:nvSpPr>
-        <p:spPr>
-          <a:xfrm>
-            <a:off x="3970938" y="8829967"/>
-            <a:ext cx="3037840" cy="466433"/>
-          </a:xfrm>
-          <a:prstGeom prst="rect">
-            <a:avLst/>
-          </a:prstGeom>
-        </p:spPr>
-        <p:txBody>
-          <a:bodyPr vert="horz" lIns="93177" tIns="46589" rIns="93177" bIns="46589" rtlCol="0" anchor="b"/>
-          <a:lstStyle>
-            <a:lvl1pPr algn="r">
-              <a:defRPr sz="1200"/>
-            </a:lvl1pPr>
-          </a:lstStyle>
-          <a:p>
-            <a:fld id="{78894396-3E3A-4455-952E-E7583D133EC0}" type="slidenum">
-              <a:rPr lang="en-US" smtClean="0"/>
-              <a:t>‹#›</a:t>
-            </a:fld>
-            <a:endParaRPr lang="en-US"/>
-          </a:p>
-        </p:txBody>
-      </p:sp>
-    </p:spTree>
-    <p:extLst>
-      <p:ext uri="{BB962C8B-B14F-4D97-AF65-F5344CB8AC3E}">
-        <p14:creationId xmlns:p14="http://schemas.microsoft.com/office/powerpoint/2010/main" val="3628086953"/>
-      </p:ext>
-    </p:extLst>
-  </p:cSld>
-  <p:clrMap bg1="lt1" tx1="dk1" bg2="lt2" tx2="dk2" accent1="accent1" accent2="accent2" accent3="accent3" accent4="accent4" accent5="accent5" accent6="accent6" hlink="hlink" folHlink="folHlink"/>
-</p:handoutMaster>
 </file>
 
 <file path=ppt/slideLayouts/slideLayout1.xml><?xml version="1.0" encoding="utf-8"?>
@@ -414,9 +256,9 @@
           <a:bodyPr/>
           <a:lstStyle/>
           <a:p>
-            <a:fld id="{D8FB3228-FF70-4911-9C29-93CE4A8BFC98}" type="datetimeFigureOut">
+            <a:fld id="{A03D6045-7B35-486D-9C79-5BF0BD04FBD2}" type="datetimeFigureOut">
               <a:rPr lang="en-US" smtClean="0"/>
-              <a:t>8/14/2020</a:t>
+              <a:t>8/15/2020</a:t>
             </a:fld>
             <a:endParaRPr lang="en-US"/>
           </a:p>
@@ -456,7 +298,7 @@
           <a:bodyPr/>
           <a:lstStyle/>
           <a:p>
-            <a:fld id="{1D8BBA6C-C3A5-4C4D-A523-494DF3FADA23}" type="slidenum">
+            <a:fld id="{3B8861E6-6EBB-4FAE-B73D-0BA55FD539E7}" type="slidenum">
               <a:rPr lang="en-US" smtClean="0"/>
               <a:t>‹#›</a:t>
             </a:fld>
@@ -467,7 +309,7 @@
     </p:spTree>
     <p:extLst>
       <p:ext uri="{BB962C8B-B14F-4D97-AF65-F5344CB8AC3E}">
-        <p14:creationId xmlns:p14="http://schemas.microsoft.com/office/powerpoint/2010/main" val="3445476627"/>
+        <p14:creationId xmlns:p14="http://schemas.microsoft.com/office/powerpoint/2010/main" val="2523477040"/>
       </p:ext>
     </p:extLst>
   </p:cSld>
@@ -582,9 +424,9 @@
           <a:bodyPr/>
           <a:lstStyle/>
           <a:p>
-            <a:fld id="{D8FB3228-FF70-4911-9C29-93CE4A8BFC98}" type="datetimeFigureOut">
+            <a:fld id="{A03D6045-7B35-486D-9C79-5BF0BD04FBD2}" type="datetimeFigureOut">
               <a:rPr lang="en-US" smtClean="0"/>
-              <a:t>8/14/2020</a:t>
+              <a:t>8/15/2020</a:t>
             </a:fld>
             <a:endParaRPr lang="en-US"/>
           </a:p>
@@ -624,7 +466,7 @@
           <a:bodyPr/>
           <a:lstStyle/>
           <a:p>
-            <a:fld id="{1D8BBA6C-C3A5-4C4D-A523-494DF3FADA23}" type="slidenum">
+            <a:fld id="{3B8861E6-6EBB-4FAE-B73D-0BA55FD539E7}" type="slidenum">
               <a:rPr lang="en-US" smtClean="0"/>
               <a:t>‹#›</a:t>
             </a:fld>
@@ -635,7 +477,7 @@
     </p:spTree>
     <p:extLst>
       <p:ext uri="{BB962C8B-B14F-4D97-AF65-F5344CB8AC3E}">
-        <p14:creationId xmlns:p14="http://schemas.microsoft.com/office/powerpoint/2010/main" val="726634927"/>
+        <p14:creationId xmlns:p14="http://schemas.microsoft.com/office/powerpoint/2010/main" val="41984312"/>
       </p:ext>
     </p:extLst>
   </p:cSld>
@@ -760,9 +602,9 @@
           <a:bodyPr/>
           <a:lstStyle/>
           <a:p>
-            <a:fld id="{D8FB3228-FF70-4911-9C29-93CE4A8BFC98}" type="datetimeFigureOut">
+            <a:fld id="{A03D6045-7B35-486D-9C79-5BF0BD04FBD2}" type="datetimeFigureOut">
               <a:rPr lang="en-US" smtClean="0"/>
-              <a:t>8/14/2020</a:t>
+              <a:t>8/15/2020</a:t>
             </a:fld>
             <a:endParaRPr lang="en-US"/>
           </a:p>
@@ -802,7 +644,7 @@
           <a:bodyPr/>
           <a:lstStyle/>
           <a:p>
-            <a:fld id="{1D8BBA6C-C3A5-4C4D-A523-494DF3FADA23}" type="slidenum">
+            <a:fld id="{3B8861E6-6EBB-4FAE-B73D-0BA55FD539E7}" type="slidenum">
               <a:rPr lang="en-US" smtClean="0"/>
               <a:t>‹#›</a:t>
             </a:fld>
@@ -813,7 +655,7 @@
     </p:spTree>
     <p:extLst>
       <p:ext uri="{BB962C8B-B14F-4D97-AF65-F5344CB8AC3E}">
-        <p14:creationId xmlns:p14="http://schemas.microsoft.com/office/powerpoint/2010/main" val="3168049473"/>
+        <p14:creationId xmlns:p14="http://schemas.microsoft.com/office/powerpoint/2010/main" val="2020422404"/>
       </p:ext>
     </p:extLst>
   </p:cSld>
@@ -928,9 +770,9 @@
           <a:bodyPr/>
           <a:lstStyle/>
           <a:p>
-            <a:fld id="{D8FB3228-FF70-4911-9C29-93CE4A8BFC98}" type="datetimeFigureOut">
+            <a:fld id="{A03D6045-7B35-486D-9C79-5BF0BD04FBD2}" type="datetimeFigureOut">
               <a:rPr lang="en-US" smtClean="0"/>
-              <a:t>8/14/2020</a:t>
+              <a:t>8/15/2020</a:t>
             </a:fld>
             <a:endParaRPr lang="en-US"/>
           </a:p>
@@ -970,7 +812,7 @@
           <a:bodyPr/>
           <a:lstStyle/>
           <a:p>
-            <a:fld id="{1D8BBA6C-C3A5-4C4D-A523-494DF3FADA23}" type="slidenum">
+            <a:fld id="{3B8861E6-6EBB-4FAE-B73D-0BA55FD539E7}" type="slidenum">
               <a:rPr lang="en-US" smtClean="0"/>
               <a:t>‹#›</a:t>
             </a:fld>
@@ -981,7 +823,7 @@
     </p:spTree>
     <p:extLst>
       <p:ext uri="{BB962C8B-B14F-4D97-AF65-F5344CB8AC3E}">
-        <p14:creationId xmlns:p14="http://schemas.microsoft.com/office/powerpoint/2010/main" val="3896498362"/>
+        <p14:creationId xmlns:p14="http://schemas.microsoft.com/office/powerpoint/2010/main" val="1655518474"/>
       </p:ext>
     </p:extLst>
   </p:cSld>
@@ -1173,9 +1015,9 @@
           <a:bodyPr/>
           <a:lstStyle/>
           <a:p>
-            <a:fld id="{D8FB3228-FF70-4911-9C29-93CE4A8BFC98}" type="datetimeFigureOut">
+            <a:fld id="{A03D6045-7B35-486D-9C79-5BF0BD04FBD2}" type="datetimeFigureOut">
               <a:rPr lang="en-US" smtClean="0"/>
-              <a:t>8/14/2020</a:t>
+              <a:t>8/15/2020</a:t>
             </a:fld>
             <a:endParaRPr lang="en-US"/>
           </a:p>
@@ -1215,7 +1057,7 @@
           <a:bodyPr/>
           <a:lstStyle/>
           <a:p>
-            <a:fld id="{1D8BBA6C-C3A5-4C4D-A523-494DF3FADA23}" type="slidenum">
+            <a:fld id="{3B8861E6-6EBB-4FAE-B73D-0BA55FD539E7}" type="slidenum">
               <a:rPr lang="en-US" smtClean="0"/>
               <a:t>‹#›</a:t>
             </a:fld>
@@ -1226,7 +1068,7 @@
     </p:spTree>
     <p:extLst>
       <p:ext uri="{BB962C8B-B14F-4D97-AF65-F5344CB8AC3E}">
-        <p14:creationId xmlns:p14="http://schemas.microsoft.com/office/powerpoint/2010/main" val="932504656"/>
+        <p14:creationId xmlns:p14="http://schemas.microsoft.com/office/powerpoint/2010/main" val="3150330074"/>
       </p:ext>
     </p:extLst>
   </p:cSld>
@@ -1402,9 +1244,9 @@
           <a:bodyPr/>
           <a:lstStyle/>
           <a:p>
-            <a:fld id="{D8FB3228-FF70-4911-9C29-93CE4A8BFC98}" type="datetimeFigureOut">
+            <a:fld id="{A03D6045-7B35-486D-9C79-5BF0BD04FBD2}" type="datetimeFigureOut">
               <a:rPr lang="en-US" smtClean="0"/>
-              <a:t>8/14/2020</a:t>
+              <a:t>8/15/2020</a:t>
             </a:fld>
             <a:endParaRPr lang="en-US"/>
           </a:p>
@@ -1444,7 +1286,7 @@
           <a:bodyPr/>
           <a:lstStyle/>
           <a:p>
-            <a:fld id="{1D8BBA6C-C3A5-4C4D-A523-494DF3FADA23}" type="slidenum">
+            <a:fld id="{3B8861E6-6EBB-4FAE-B73D-0BA55FD539E7}" type="slidenum">
               <a:rPr lang="en-US" smtClean="0"/>
               <a:t>‹#›</a:t>
             </a:fld>
@@ -1455,7 +1297,7 @@
     </p:spTree>
     <p:extLst>
       <p:ext uri="{BB962C8B-B14F-4D97-AF65-F5344CB8AC3E}">
-        <p14:creationId xmlns:p14="http://schemas.microsoft.com/office/powerpoint/2010/main" val="133725681"/>
+        <p14:creationId xmlns:p14="http://schemas.microsoft.com/office/powerpoint/2010/main" val="504899390"/>
       </p:ext>
     </p:extLst>
   </p:cSld>
@@ -1766,9 +1608,9 @@
           <a:bodyPr/>
           <a:lstStyle/>
           <a:p>
-            <a:fld id="{D8FB3228-FF70-4911-9C29-93CE4A8BFC98}" type="datetimeFigureOut">
+            <a:fld id="{A03D6045-7B35-486D-9C79-5BF0BD04FBD2}" type="datetimeFigureOut">
               <a:rPr lang="en-US" smtClean="0"/>
-              <a:t>8/14/2020</a:t>
+              <a:t>8/15/2020</a:t>
             </a:fld>
             <a:endParaRPr lang="en-US"/>
           </a:p>
@@ -1808,7 +1650,7 @@
           <a:bodyPr/>
           <a:lstStyle/>
           <a:p>
-            <a:fld id="{1D8BBA6C-C3A5-4C4D-A523-494DF3FADA23}" type="slidenum">
+            <a:fld id="{3B8861E6-6EBB-4FAE-B73D-0BA55FD539E7}" type="slidenum">
               <a:rPr lang="en-US" smtClean="0"/>
               <a:t>‹#›</a:t>
             </a:fld>
@@ -1819,7 +1661,7 @@
     </p:spTree>
     <p:extLst>
       <p:ext uri="{BB962C8B-B14F-4D97-AF65-F5344CB8AC3E}">
-        <p14:creationId xmlns:p14="http://schemas.microsoft.com/office/powerpoint/2010/main" val="2333522395"/>
+        <p14:creationId xmlns:p14="http://schemas.microsoft.com/office/powerpoint/2010/main" val="1179280295"/>
       </p:ext>
     </p:extLst>
   </p:cSld>
@@ -1883,9 +1725,9 @@
           <a:bodyPr/>
           <a:lstStyle/>
           <a:p>
-            <a:fld id="{D8FB3228-FF70-4911-9C29-93CE4A8BFC98}" type="datetimeFigureOut">
+            <a:fld id="{A03D6045-7B35-486D-9C79-5BF0BD04FBD2}" type="datetimeFigureOut">
               <a:rPr lang="en-US" smtClean="0"/>
-              <a:t>8/14/2020</a:t>
+              <a:t>8/15/2020</a:t>
             </a:fld>
             <a:endParaRPr lang="en-US"/>
           </a:p>
@@ -1925,7 +1767,7 @@
           <a:bodyPr/>
           <a:lstStyle/>
           <a:p>
-            <a:fld id="{1D8BBA6C-C3A5-4C4D-A523-494DF3FADA23}" type="slidenum">
+            <a:fld id="{3B8861E6-6EBB-4FAE-B73D-0BA55FD539E7}" type="slidenum">
               <a:rPr lang="en-US" smtClean="0"/>
               <a:t>‹#›</a:t>
             </a:fld>
@@ -1936,7 +1778,7 @@
     </p:spTree>
     <p:extLst>
       <p:ext uri="{BB962C8B-B14F-4D97-AF65-F5344CB8AC3E}">
-        <p14:creationId xmlns:p14="http://schemas.microsoft.com/office/powerpoint/2010/main" val="758846893"/>
+        <p14:creationId xmlns:p14="http://schemas.microsoft.com/office/powerpoint/2010/main" val="252878390"/>
       </p:ext>
     </p:extLst>
   </p:cSld>
@@ -1978,9 +1820,9 @@
           <a:bodyPr/>
           <a:lstStyle/>
           <a:p>
-            <a:fld id="{D8FB3228-FF70-4911-9C29-93CE4A8BFC98}" type="datetimeFigureOut">
+            <a:fld id="{A03D6045-7B35-486D-9C79-5BF0BD04FBD2}" type="datetimeFigureOut">
               <a:rPr lang="en-US" smtClean="0"/>
-              <a:t>8/14/2020</a:t>
+              <a:t>8/15/2020</a:t>
             </a:fld>
             <a:endParaRPr lang="en-US"/>
           </a:p>
@@ -2020,7 +1862,7 @@
           <a:bodyPr/>
           <a:lstStyle/>
           <a:p>
-            <a:fld id="{1D8BBA6C-C3A5-4C4D-A523-494DF3FADA23}" type="slidenum">
+            <a:fld id="{3B8861E6-6EBB-4FAE-B73D-0BA55FD539E7}" type="slidenum">
               <a:rPr lang="en-US" smtClean="0"/>
               <a:t>‹#›</a:t>
             </a:fld>
@@ -2031,7 +1873,7 @@
     </p:spTree>
     <p:extLst>
       <p:ext uri="{BB962C8B-B14F-4D97-AF65-F5344CB8AC3E}">
-        <p14:creationId xmlns:p14="http://schemas.microsoft.com/office/powerpoint/2010/main" val="3311703661"/>
+        <p14:creationId xmlns:p14="http://schemas.microsoft.com/office/powerpoint/2010/main" val="1776055030"/>
       </p:ext>
     </p:extLst>
   </p:cSld>
@@ -2253,9 +2095,9 @@
           <a:bodyPr/>
           <a:lstStyle/>
           <a:p>
-            <a:fld id="{D8FB3228-FF70-4911-9C29-93CE4A8BFC98}" type="datetimeFigureOut">
+            <a:fld id="{A03D6045-7B35-486D-9C79-5BF0BD04FBD2}" type="datetimeFigureOut">
               <a:rPr lang="en-US" smtClean="0"/>
-              <a:t>8/14/2020</a:t>
+              <a:t>8/15/2020</a:t>
             </a:fld>
             <a:endParaRPr lang="en-US"/>
           </a:p>
@@ -2295,7 +2137,7 @@
           <a:bodyPr/>
           <a:lstStyle/>
           <a:p>
-            <a:fld id="{1D8BBA6C-C3A5-4C4D-A523-494DF3FADA23}" type="slidenum">
+            <a:fld id="{3B8861E6-6EBB-4FAE-B73D-0BA55FD539E7}" type="slidenum">
               <a:rPr lang="en-US" smtClean="0"/>
               <a:t>‹#›</a:t>
             </a:fld>
@@ -2306,7 +2148,7 @@
     </p:spTree>
     <p:extLst>
       <p:ext uri="{BB962C8B-B14F-4D97-AF65-F5344CB8AC3E}">
-        <p14:creationId xmlns:p14="http://schemas.microsoft.com/office/powerpoint/2010/main" val="2780946734"/>
+        <p14:creationId xmlns:p14="http://schemas.microsoft.com/office/powerpoint/2010/main" val="2835818555"/>
       </p:ext>
     </p:extLst>
   </p:cSld>
@@ -2505,9 +2347,9 @@
           <a:bodyPr/>
           <a:lstStyle/>
           <a:p>
-            <a:fld id="{D8FB3228-FF70-4911-9C29-93CE4A8BFC98}" type="datetimeFigureOut">
+            <a:fld id="{A03D6045-7B35-486D-9C79-5BF0BD04FBD2}" type="datetimeFigureOut">
               <a:rPr lang="en-US" smtClean="0"/>
-              <a:t>8/14/2020</a:t>
+              <a:t>8/15/2020</a:t>
             </a:fld>
             <a:endParaRPr lang="en-US"/>
           </a:p>
@@ -2547,7 +2389,7 @@
           <a:bodyPr/>
           <a:lstStyle/>
           <a:p>
-            <a:fld id="{1D8BBA6C-C3A5-4C4D-A523-494DF3FADA23}" type="slidenum">
+            <a:fld id="{3B8861E6-6EBB-4FAE-B73D-0BA55FD539E7}" type="slidenum">
               <a:rPr lang="en-US" smtClean="0"/>
               <a:t>‹#›</a:t>
             </a:fld>
@@ -2558,7 +2400,7 @@
     </p:spTree>
     <p:extLst>
       <p:ext uri="{BB962C8B-B14F-4D97-AF65-F5344CB8AC3E}">
-        <p14:creationId xmlns:p14="http://schemas.microsoft.com/office/powerpoint/2010/main" val="3376010731"/>
+        <p14:creationId xmlns:p14="http://schemas.microsoft.com/office/powerpoint/2010/main" val="3866736318"/>
       </p:ext>
     </p:extLst>
   </p:cSld>
@@ -2716,9 +2558,9 @@
             </a:lvl1pPr>
           </a:lstStyle>
           <a:p>
-            <a:fld id="{D8FB3228-FF70-4911-9C29-93CE4A8BFC98}" type="datetimeFigureOut">
+            <a:fld id="{A03D6045-7B35-486D-9C79-5BF0BD04FBD2}" type="datetimeFigureOut">
               <a:rPr lang="en-US" smtClean="0"/>
-              <a:t>8/14/2020</a:t>
+              <a:t>8/15/2020</a:t>
             </a:fld>
             <a:endParaRPr lang="en-US"/>
           </a:p>
@@ -2794,7 +2636,7 @@
             </a:lvl1pPr>
           </a:lstStyle>
           <a:p>
-            <a:fld id="{1D8BBA6C-C3A5-4C4D-A523-494DF3FADA23}" type="slidenum">
+            <a:fld id="{3B8861E6-6EBB-4FAE-B73D-0BA55FD539E7}" type="slidenum">
               <a:rPr lang="en-US" smtClean="0"/>
               <a:t>‹#›</a:t>
             </a:fld>
@@ -2805,7 +2647,7 @@
     </p:spTree>
     <p:extLst>
       <p:ext uri="{BB962C8B-B14F-4D97-AF65-F5344CB8AC3E}">
-        <p14:creationId xmlns:p14="http://schemas.microsoft.com/office/powerpoint/2010/main" val="3210424404"/>
+        <p14:creationId xmlns:p14="http://schemas.microsoft.com/office/powerpoint/2010/main" val="2270599368"/>
       </p:ext>
     </p:extLst>
   </p:cSld>
@@ -3135,8 +2977,8 @@
         </p:nvSpPr>
         <p:spPr>
           <a:xfrm>
-            <a:off x="1225420" y="217293"/>
-            <a:ext cx="9144000" cy="2387600"/>
+            <a:off x="1301577" y="659026"/>
+            <a:ext cx="9440563" cy="3196281"/>
           </a:xfrm>
         </p:spPr>
         <p:txBody>
@@ -3149,6 +2991,13 @@
               <a:rPr lang="en-US" dirty="0"/>
               <a:t>Lab 2: Exploring Data with Graphical Displays and Numerical Summaries</a:t>
             </a:r>
+            <a:br>
+              <a:rPr lang="en-US" dirty="0"/>
+            </a:br>
+            <a:r>
+              <a:rPr lang="en-US" dirty="0"/>
+              <a:t>“Got Data”</a:t>
+            </a:r>
           </a:p>
         </p:txBody>
       </p:sp>
@@ -3164,95 +3013,32 @@
         </p:nvSpPr>
         <p:spPr>
           <a:xfrm>
-            <a:off x="1076130" y="2715630"/>
-            <a:ext cx="10353870" cy="3685170"/>
-          </a:xfrm>
-        </p:spPr>
-        <p:txBody>
-          <a:bodyPr>
-            <a:normAutofit/>
-          </a:bodyPr>
-          <a:lstStyle/>
-          <a:p>
-            <a:r>
-              <a:rPr lang="en-US" sz="3000" dirty="0">
-                <a:solidFill>
-                  <a:srgbClr val="0070C0"/>
-                </a:solidFill>
-              </a:rPr>
-              <a:t>As you enter room:</a:t>
-            </a:r>
-          </a:p>
-          <a:p>
-            <a:r>
-              <a:rPr lang="en-US" sz="3000" dirty="0">
-                <a:solidFill>
-                  <a:srgbClr val="0070C0"/>
-                </a:solidFill>
-              </a:rPr>
-              <a:t>* Find your name on the sign in sheet.</a:t>
-            </a:r>
-          </a:p>
-          <a:p>
-            <a:pPr lvl="1"/>
-            <a:r>
-              <a:rPr lang="zh-CN" altLang="en-US" sz="3000" dirty="0">
-                <a:solidFill>
-                  <a:srgbClr val="0070C0"/>
-                </a:solidFill>
-              </a:rPr>
-              <a:t>**</a:t>
-            </a:r>
-            <a:r>
-              <a:rPr lang="en-US" sz="3000" dirty="0">
-                <a:solidFill>
-                  <a:srgbClr val="0070C0"/>
-                </a:solidFill>
-              </a:rPr>
-              <a:t>Find the Table you were randomly assigned.  </a:t>
-            </a:r>
-          </a:p>
-          <a:p>
-            <a:pPr lvl="1"/>
-            <a:r>
-              <a:rPr lang="en-US" sz="3000" dirty="0">
-                <a:solidFill>
-                  <a:srgbClr val="0070C0"/>
-                </a:solidFill>
-              </a:rPr>
-              <a:t>**</a:t>
-            </a:r>
-            <a:r>
-              <a:rPr lang="zh-CN" altLang="en-US" sz="3000" dirty="0">
-                <a:solidFill>
-                  <a:srgbClr val="0070C0"/>
-                </a:solidFill>
-              </a:rPr>
-              <a:t>*</a:t>
-            </a:r>
-            <a:r>
-              <a:rPr lang="en-US" sz="3000" dirty="0">
-                <a:solidFill>
-                  <a:srgbClr val="0070C0"/>
-                </a:solidFill>
-              </a:rPr>
-              <a:t> Sit at any of the seats and the table you were assigned.</a:t>
-            </a:r>
-          </a:p>
-          <a:p>
-            <a:pPr lvl="1"/>
-            <a:endParaRPr lang="en-US" sz="3000" dirty="0">
-              <a:solidFill>
-                <a:srgbClr val="0070C0"/>
-              </a:solidFill>
-            </a:endParaRPr>
+            <a:off x="1524000" y="4532914"/>
+            <a:ext cx="9144000" cy="1655762"/>
+          </a:xfrm>
+        </p:spPr>
+        <p:txBody>
+          <a:bodyPr/>
+          <a:lstStyle/>
+          <a:p>
+            <a:r>
+              <a:rPr lang="en-US" dirty="0"/>
+              <a:t>STAT 201: Elementary Statistics</a:t>
+            </a:r>
+          </a:p>
+          <a:p>
+            <a:r>
+              <a:rPr lang="en-US" altLang="zh-CN" dirty="0"/>
+              <a:t>Shan Zhong</a:t>
+            </a:r>
+            <a:endParaRPr lang="en-US" dirty="0"/>
           </a:p>
         </p:txBody>
       </p:sp>
     </p:spTree>
     <p:extLst>
       <p:ext uri="{BB962C8B-B14F-4D97-AF65-F5344CB8AC3E}">
-        <p14:creationId xmlns:p14="http://schemas.microsoft.com/office/powerpoint/2010/main" val="4135515358"/>
+        <p14:creationId xmlns:p14="http://schemas.microsoft.com/office/powerpoint/2010/main" val="2528985118"/>
       </p:ext>
     </p:extLst>
   </p:cSld>
@@ -3291,8 +3077,8 @@
         </p:nvSpPr>
         <p:spPr>
           <a:xfrm>
-            <a:off x="139959" y="167951"/>
-            <a:ext cx="11213841" cy="906917"/>
+            <a:off x="838200" y="365126"/>
+            <a:ext cx="10515600" cy="725738"/>
           </a:xfrm>
         </p:spPr>
         <p:txBody>
@@ -3301,7 +3087,7 @@
           <a:p>
             <a:r>
               <a:rPr lang="en-US" dirty="0"/>
-              <a:t>Introduction to Labs</a:t>
+              <a:t>Introduction to the lab</a:t>
             </a:r>
           </a:p>
         </p:txBody>
@@ -3318,80 +3104,73 @@
         </p:nvSpPr>
         <p:spPr>
           <a:xfrm>
-            <a:off x="139959" y="1074868"/>
-            <a:ext cx="11213841" cy="5102095"/>
+            <a:off x="838200" y="1090864"/>
+            <a:ext cx="10515600" cy="5086099"/>
           </a:xfrm>
         </p:spPr>
         <p:txBody>
           <a:bodyPr>
-            <a:normAutofit/>
+            <a:normAutofit lnSpcReduction="10000"/>
           </a:bodyPr>
           <a:lstStyle/>
           <a:p>
             <a:r>
               <a:rPr lang="en-US" dirty="0"/>
-              <a:t>Basic Flow of Labs:</a:t>
+              <a:t>The purpose of this lab is to get familiar with working with the data in </a:t>
+            </a:r>
+            <a:r>
+              <a:rPr lang="en-US" dirty="0" err="1"/>
+              <a:t>StatCrunch</a:t>
+            </a:r>
+            <a:r>
+              <a:rPr lang="en-US" dirty="0"/>
+              <a:t>.  </a:t>
+            </a:r>
+          </a:p>
+          <a:p>
+            <a:r>
+              <a:rPr lang="en-US" dirty="0"/>
+              <a:t>This lab illustrates how software can be used to work with large amounts of data.  </a:t>
+            </a:r>
+          </a:p>
+          <a:p>
+            <a:r>
+              <a:rPr lang="en-US" dirty="0"/>
+              <a:t>We are going to be working with the data that has been created from the survey that all 201 students were asked to complete.   </a:t>
+            </a:r>
+          </a:p>
+          <a:p>
+            <a:r>
+              <a:rPr lang="en-US" dirty="0"/>
+              <a:t>We are going to use this data to create graphs and make observations from these graphs.   </a:t>
             </a:r>
           </a:p>
           <a:p>
             <a:pPr lvl="1"/>
             <a:r>
               <a:rPr lang="en-US" dirty="0"/>
-              <a:t>Data Collection</a:t>
+              <a:t>Table 2.1 is a good reference for which types of graphs can be used with each type of data (categorical vs quantitative).  </a:t>
+            </a:r>
+          </a:p>
+          <a:p>
+            <a:r>
+              <a:rPr lang="en-US" dirty="0"/>
+              <a:t>We are going to create numerical summaries using this data. </a:t>
             </a:r>
           </a:p>
           <a:p>
             <a:pPr lvl="1"/>
             <a:r>
               <a:rPr lang="en-US" dirty="0"/>
-              <a:t>Data Analysis</a:t>
-            </a:r>
-          </a:p>
-          <a:p>
-            <a:pPr lvl="1"/>
-            <a:r>
-              <a:rPr lang="en-US" dirty="0"/>
-              <a:t>Answer Questions from Book (SAWA)</a:t>
-            </a:r>
-          </a:p>
-          <a:p>
-            <a:pPr lvl="2"/>
-            <a:r>
-              <a:rPr lang="en-US" dirty="0"/>
-              <a:t>Work with your lab groups to answer the questions.</a:t>
-            </a:r>
-          </a:p>
-          <a:p>
-            <a:pPr lvl="2"/>
-            <a:r>
-              <a:rPr lang="en-US" dirty="0"/>
-              <a:t>Make sure you answer the questions completely.</a:t>
-            </a:r>
-          </a:p>
-          <a:p>
-            <a:pPr lvl="2"/>
-            <a:r>
-              <a:rPr lang="en-US" dirty="0"/>
-              <a:t>Ask the lab instructor for help if you have a question (you want a high lab grade).</a:t>
-            </a:r>
-          </a:p>
-          <a:p>
-            <a:pPr lvl="3"/>
-            <a:r>
-              <a:rPr lang="en-US" dirty="0"/>
-              <a:t>Note this is not the same thing as asking the lab instructor for an answer.  </a:t>
-            </a:r>
-          </a:p>
-          <a:p>
-            <a:pPr lvl="3"/>
-            <a:endParaRPr lang="en-US" dirty="0"/>
+              <a:t>Table 2.1 is a good reference for which types of numerical summaries can be used with each type of data (categorical vs quantitative).</a:t>
+            </a:r>
           </a:p>
         </p:txBody>
       </p:sp>
     </p:spTree>
     <p:extLst>
       <p:ext uri="{BB962C8B-B14F-4D97-AF65-F5344CB8AC3E}">
-        <p14:creationId xmlns:p14="http://schemas.microsoft.com/office/powerpoint/2010/main" val="943275433"/>
+        <p14:creationId xmlns:p14="http://schemas.microsoft.com/office/powerpoint/2010/main" val="2138422479"/>
       </p:ext>
     </p:extLst>
   </p:cSld>
@@ -3428,14 +3207,21 @@
             <p:ph type="title"/>
           </p:nvPr>
         </p:nvSpPr>
-        <p:spPr/>
-        <p:txBody>
-          <a:bodyPr/>
+        <p:spPr>
+          <a:xfrm>
+            <a:off x="838200" y="365126"/>
+            <a:ext cx="10628870" cy="417469"/>
+          </a:xfrm>
+        </p:spPr>
+        <p:txBody>
+          <a:bodyPr>
+            <a:normAutofit fontScale="90000"/>
+          </a:bodyPr>
           <a:lstStyle/>
           <a:p>
             <a:r>
               <a:rPr lang="en-US" dirty="0"/>
-              <a:t>Concepts Needed for Lab 2</a:t>
+              <a:t>Steps for Lab 2</a:t>
             </a:r>
           </a:p>
         </p:txBody>
@@ -3452,79 +3238,148 @@
         </p:nvSpPr>
         <p:spPr>
           <a:xfrm>
-            <a:off x="326571" y="1408922"/>
-            <a:ext cx="11027229" cy="4768041"/>
-          </a:xfrm>
-        </p:spPr>
-        <p:txBody>
-          <a:bodyPr/>
+            <a:off x="623923" y="1039303"/>
+            <a:ext cx="10991335" cy="5311990"/>
+          </a:xfrm>
+        </p:spPr>
+        <p:txBody>
+          <a:bodyPr>
+            <a:normAutofit fontScale="92500" lnSpcReduction="10000"/>
+          </a:bodyPr>
           <a:lstStyle/>
           <a:p>
             <a:r>
               <a:rPr lang="en-US" dirty="0"/>
-              <a:t>Types of Variables: </a:t>
+              <a:t>Log on to the computer.</a:t>
+            </a:r>
+          </a:p>
+          <a:p>
+            <a:r>
+              <a:rPr lang="en-US" dirty="0"/>
+              <a:t>Go to </a:t>
+            </a:r>
+            <a:r>
+              <a:rPr lang="en-US" dirty="0" err="1"/>
+              <a:t>StatCrunch.com</a:t>
+            </a:r>
+            <a:r>
+              <a:rPr lang="en-US" dirty="0"/>
+              <a:t>:   </a:t>
+            </a:r>
+          </a:p>
+          <a:p>
+            <a:pPr marL="0" indent="0">
+              <a:buNone/>
+            </a:pPr>
+            <a:r>
+              <a:rPr lang="en-US" dirty="0"/>
+              <a:t>  ( Or Explore -&gt; Data -&gt; </a:t>
+            </a:r>
+            <a:r>
+              <a:rPr lang="en-US" dirty="0">
+                <a:solidFill>
+                  <a:srgbClr val="FF0000"/>
+                </a:solidFill>
+              </a:rPr>
+              <a:t>USC STAT 201 Fall 2016 Thursday/Friday ) </a:t>
+            </a:r>
+          </a:p>
+          <a:p>
+            <a:r>
+              <a:rPr lang="en-US" dirty="0"/>
+              <a:t>Follow the instructions on page 13 and 14 (the pages can be found in the Blackboard Lab 2 folder) and answer all the questions that follow.  Several of the questions have multiple parts so make sure you answer everything.   </a:t>
+            </a:r>
+          </a:p>
+          <a:p>
+            <a:r>
+              <a:rPr lang="en-US" dirty="0"/>
+              <a:t>Make sure you try to find all options to create graphs and numerical summary before asking for help (use trial and error).   </a:t>
+            </a:r>
+          </a:p>
+          <a:p>
+            <a:r>
+              <a:rPr lang="en-US" dirty="0"/>
+              <a:t>Some fine points to be followed—  </a:t>
             </a:r>
           </a:p>
           <a:p>
             <a:pPr lvl="1"/>
             <a:r>
               <a:rPr lang="en-US" dirty="0"/>
-              <a:t>Discrete Quantitative – results are numbers that represent a count (“the number of …”).</a:t>
+              <a:t>Each student must turn in their own work.   </a:t>
             </a:r>
           </a:p>
           <a:p>
             <a:pPr lvl="1"/>
             <a:r>
               <a:rPr lang="en-US" dirty="0"/>
-              <a:t>Continuous Quantitative – results are numbers that represent a measurement.</a:t>
+              <a:t>On the word document, please include your name and section.  </a:t>
             </a:r>
           </a:p>
           <a:p>
             <a:pPr lvl="1"/>
             <a:r>
               <a:rPr lang="en-US" dirty="0"/>
-              <a:t>Categorical – numbers that are not counts or measurements and anything that is not a number.</a:t>
-            </a:r>
-          </a:p>
-          <a:p>
-            <a:endParaRPr lang="en-US" dirty="0"/>
-          </a:p>
-          <a:p>
+              <a:t>Please label each question with the correct number to make grading easier.  </a:t>
+            </a:r>
+          </a:p>
+          <a:p>
+            <a:pPr lvl="1"/>
             <a:r>
               <a:rPr lang="en-US" dirty="0"/>
-              <a:t>Graphical Displays and Numerical Summaries:</a:t>
-            </a:r>
-          </a:p>
-          <a:p>
-            <a:pPr lvl="1"/>
+              <a:t>You may minimize the graphs so you aren’t using too much paper.  </a:t>
+            </a:r>
+          </a:p>
+        </p:txBody>
+      </p:sp>
+      <p:sp>
+        <p:nvSpPr>
+          <p:cNvPr id="4" name="Rectangle 3"/>
+          <p:cNvSpPr/>
+          <p:nvPr/>
+        </p:nvSpPr>
+        <p:spPr>
+          <a:xfrm>
+            <a:off x="4118728" y="1451229"/>
+            <a:ext cx="6021300" cy="369332"/>
+          </a:xfrm>
+          <a:prstGeom prst="rect">
+            <a:avLst/>
+          </a:prstGeom>
+        </p:spPr>
+        <p:txBody>
+          <a:bodyPr wrap="none">
+            <a:spAutoFit/>
+          </a:bodyPr>
+          <a:lstStyle/>
+          <a:p>
             <a:r>
               <a:rPr lang="en-US" dirty="0"/>
-              <a:t>To determine which graphical displays and numerical summaries are appropriate for a variable reference Table 2.1 on page 10.</a:t>
-            </a:r>
-          </a:p>
-          <a:p>
-            <a:pPr lvl="3"/>
-            <a:endParaRPr lang="en-US" dirty="0"/>
-          </a:p>
-          <a:p>
-            <a:pPr marL="1371600" lvl="3" indent="0">
-              <a:buNone/>
-            </a:pPr>
-            <a:endParaRPr lang="en-US" dirty="0"/>
-          </a:p>
-          <a:p>
-            <a:pPr lvl="2"/>
-            <a:endParaRPr lang="en-US" dirty="0"/>
-          </a:p>
-          <a:p>
-            <a:endParaRPr lang="en-US" dirty="0"/>
+              <a:t>https://</a:t>
+            </a:r>
+            <a:r>
+              <a:rPr lang="en-US" dirty="0" err="1"/>
+              <a:t>www.statcrunch.com</a:t>
+            </a:r>
+            <a:r>
+              <a:rPr lang="en-US" dirty="0"/>
+              <a:t>/app/</a:t>
+            </a:r>
+            <a:r>
+              <a:rPr lang="en-US" dirty="0" err="1"/>
+              <a:t>index.php?dataid</a:t>
+            </a:r>
+            <a:r>
+              <a:rPr lang="en-US" dirty="0"/>
+              <a:t>=1878467</a:t>
+            </a:r>
           </a:p>
         </p:txBody>
       </p:sp>
     </p:spTree>
     <p:extLst>
       <p:ext uri="{BB962C8B-B14F-4D97-AF65-F5344CB8AC3E}">
-        <p14:creationId xmlns:p14="http://schemas.microsoft.com/office/powerpoint/2010/main" val="2724528154"/>
+        <p14:creationId xmlns:p14="http://schemas.microsoft.com/office/powerpoint/2010/main" val="3190896872"/>
       </p:ext>
     </p:extLst>
   </p:cSld>
@@ -4273,142 +4128,6 @@
         </p:txBody>
       </p:sp>
     </p:spTree>
-  </p:cSld>
-  <p:clrMapOvr>
-    <a:masterClrMapping/>
-  </p:clrMapOvr>
-</p:sld>
-</file>
-
-<file path=ppt/slides/slide8.xml><?xml version="1.0" encoding="utf-8"?>
-<p:sld xmlns:a="http://schemas.openxmlformats.org/drawingml/2006/main" xmlns:r="http://schemas.openxmlformats.org/officeDocument/2006/relationships" xmlns:p="http://schemas.openxmlformats.org/presentationml/2006/main">
-  <p:cSld>
-    <p:spTree>
-      <p:nvGrpSpPr>
-        <p:cNvPr id="1" name=""/>
-        <p:cNvGrpSpPr/>
-        <p:nvPr/>
-      </p:nvGrpSpPr>
-      <p:grpSpPr>
-        <a:xfrm>
-          <a:off x="0" y="0"/>
-          <a:ext cx="0" cy="0"/>
-          <a:chOff x="0" y="0"/>
-          <a:chExt cx="0" cy="0"/>
-        </a:xfrm>
-      </p:grpSpPr>
-      <p:sp>
-        <p:nvSpPr>
-          <p:cNvPr id="2" name="Title 1"/>
-          <p:cNvSpPr>
-            <a:spLocks noGrp="1"/>
-          </p:cNvSpPr>
-          <p:nvPr>
-            <p:ph type="title"/>
-          </p:nvPr>
-        </p:nvSpPr>
-        <p:spPr>
-          <a:xfrm>
-            <a:off x="233265" y="74645"/>
-            <a:ext cx="11251163" cy="654990"/>
-          </a:xfrm>
-        </p:spPr>
-        <p:txBody>
-          <a:bodyPr>
-            <a:normAutofit fontScale="90000"/>
-          </a:bodyPr>
-          <a:lstStyle/>
-          <a:p>
-            <a:r>
-              <a:rPr lang="en-US" dirty="0"/>
-              <a:t>Before you Leave</a:t>
-            </a:r>
-          </a:p>
-        </p:txBody>
-      </p:sp>
-      <p:sp>
-        <p:nvSpPr>
-          <p:cNvPr id="3" name="Content Placeholder 2"/>
-          <p:cNvSpPr>
-            <a:spLocks noGrp="1"/>
-          </p:cNvSpPr>
-          <p:nvPr>
-            <p:ph idx="1"/>
-          </p:nvPr>
-        </p:nvSpPr>
-        <p:spPr>
-          <a:xfrm>
-            <a:off x="233265" y="729635"/>
-            <a:ext cx="11120535" cy="5447328"/>
-          </a:xfrm>
-        </p:spPr>
-        <p:txBody>
-          <a:bodyPr/>
-          <a:lstStyle/>
-          <a:p>
-            <a:r>
-              <a:rPr lang="en-US" dirty="0"/>
-              <a:t>Turn in pages 13 and 14 from the lab book and the Word document you created with  graphs, numerical summaries, and observations.  </a:t>
-            </a:r>
-            <a:r>
-              <a:rPr lang="en-US" i="1" dirty="0"/>
-              <a:t>Everyone needs to turn in their own work</a:t>
-            </a:r>
-            <a:r>
-              <a:rPr lang="en-US" dirty="0"/>
-              <a:t>.</a:t>
-            </a:r>
-          </a:p>
-          <a:p>
-            <a:pPr lvl="1"/>
-            <a:r>
-              <a:rPr lang="en-US" dirty="0"/>
-              <a:t>Make sure to fill in Table 2.2.  </a:t>
-            </a:r>
-          </a:p>
-          <a:p>
-            <a:pPr lvl="1"/>
-            <a:r>
-              <a:rPr lang="en-US" dirty="0"/>
-              <a:t>Reference table 2.1 on page 10 for what graphs and numerical summaries are appropriate.</a:t>
-            </a:r>
-          </a:p>
-          <a:p>
-            <a:pPr lvl="1"/>
-            <a:r>
-              <a:rPr lang="en-US" dirty="0"/>
-              <a:t>For Numerical Summaries look under Summary Stats and Tables.  </a:t>
-            </a:r>
-          </a:p>
-          <a:p>
-            <a:pPr lvl="1"/>
-            <a:r>
-              <a:rPr lang="en-US" dirty="0"/>
-              <a:t>When working with Two Variables (#3 and #4) make sure your graphs have all information on one graph (use the Group by option). </a:t>
-            </a:r>
-          </a:p>
-          <a:p>
-            <a:r>
-              <a:rPr lang="en-US" b="1" dirty="0"/>
-              <a:t>Register for </a:t>
-            </a:r>
-            <a:r>
-              <a:rPr lang="en-US" b="1" dirty="0" err="1"/>
-              <a:t>MyStatLab</a:t>
-            </a:r>
-            <a:r>
-              <a:rPr lang="en-US" b="1" dirty="0"/>
-              <a:t> if you haven’t already.  If you haven’t already done so make sure you do Pre-Lab Introduction and Pre-Lab 2 as they are due now (Before you leave lab today).</a:t>
-            </a:r>
-          </a:p>
-        </p:txBody>
-      </p:sp>
-    </p:spTree>
-    <p:extLst>
-      <p:ext uri="{BB962C8B-B14F-4D97-AF65-F5344CB8AC3E}">
-        <p14:creationId xmlns:p14="http://schemas.microsoft.com/office/powerpoint/2010/main" val="2240038431"/>
-      </p:ext>
-    </p:extLst>
   </p:cSld>
   <p:clrMapOvr>
     <a:masterClrMapping/>
@@ -4459,7 +4178,7 @@
     </a:clrScheme>
     <a:fontScheme name="Office">
       <a:majorFont>
-        <a:latin typeface="Calibri Light" panose="020F0302020204030204"/>
+        <a:latin typeface="Calibri Light"/>
         <a:ea typeface=""/>
         <a:cs typeface=""/>
         <a:font script="Jpan" typeface="ＭＳ Ｐゴシック"/>
@@ -4494,268 +4213,7 @@
         <a:font script="Geor" typeface="Sylfaen"/>
       </a:majorFont>
       <a:minorFont>
-        <a:latin typeface="Calibri" panose="020F0502020204030204"/>
-        <a:ea typeface=""/>
-        <a:cs typeface=""/>
-        <a:font script="Jpan" typeface="ＭＳ Ｐゴシック"/>
-        <a:font script="Hang" typeface="맑은 고딕"/>
-        <a:font script="Hans" typeface="宋体"/>
-        <a:font script="Hant" typeface="新細明體"/>
-        <a:font script="Arab" typeface="Arial"/>
-        <a:font script="Hebr" typeface="Arial"/>
-        <a:font script="Thai" typeface="Cordia New"/>
-        <a:font script="Ethi" typeface="Nyala"/>
-        <a:font script="Beng" typeface="Vrinda"/>
-        <a:font script="Gujr" typeface="Shruti"/>
-        <a:font script="Khmr" typeface="DaunPenh"/>
-        <a:font script="Knda" typeface="Tunga"/>
-        <a:font script="Guru" typeface="Raavi"/>
-        <a:font script="Cans" typeface="Euphemia"/>
-        <a:font script="Cher" typeface="Plantagenet Cherokee"/>
-        <a:font script="Yiii" typeface="Microsoft Yi Baiti"/>
-        <a:font script="Tibt" typeface="Microsoft Himalaya"/>
-        <a:font script="Thaa" typeface="MV Boli"/>
-        <a:font script="Deva" typeface="Mangal"/>
-        <a:font script="Telu" typeface="Gautami"/>
-        <a:font script="Taml" typeface="Latha"/>
-        <a:font script="Syrc" typeface="Estrangelo Edessa"/>
-        <a:font script="Orya" typeface="Kalinga"/>
-        <a:font script="Mlym" typeface="Kartika"/>
-        <a:font script="Laoo" typeface="DokChampa"/>
-        <a:font script="Sinh" typeface="Iskoola Pota"/>
-        <a:font script="Mong" typeface="Mongolian Baiti"/>
-        <a:font script="Viet" typeface="Arial"/>
-        <a:font script="Uigh" typeface="Microsoft Uighur"/>
-        <a:font script="Geor" typeface="Sylfaen"/>
-      </a:minorFont>
-    </a:fontScheme>
-    <a:fmtScheme name="Office">
-      <a:fillStyleLst>
-        <a:solidFill>
-          <a:schemeClr val="phClr"/>
-        </a:solidFill>
-        <a:gradFill rotWithShape="1">
-          <a:gsLst>
-            <a:gs pos="0">
-              <a:schemeClr val="phClr">
-                <a:lumMod val="110000"/>
-                <a:satMod val="105000"/>
-                <a:tint val="67000"/>
-              </a:schemeClr>
-            </a:gs>
-            <a:gs pos="50000">
-              <a:schemeClr val="phClr">
-                <a:lumMod val="105000"/>
-                <a:satMod val="103000"/>
-                <a:tint val="73000"/>
-              </a:schemeClr>
-            </a:gs>
-            <a:gs pos="100000">
-              <a:schemeClr val="phClr">
-                <a:lumMod val="105000"/>
-                <a:satMod val="109000"/>
-                <a:tint val="81000"/>
-              </a:schemeClr>
-            </a:gs>
-          </a:gsLst>
-          <a:lin ang="5400000" scaled="0"/>
-        </a:gradFill>
-        <a:gradFill rotWithShape="1">
-          <a:gsLst>
-            <a:gs pos="0">
-              <a:schemeClr val="phClr">
-                <a:satMod val="103000"/>
-                <a:lumMod val="102000"/>
-                <a:tint val="94000"/>
-              </a:schemeClr>
-            </a:gs>
-            <a:gs pos="50000">
-              <a:schemeClr val="phClr">
-                <a:satMod val="110000"/>
-                <a:lumMod val="100000"/>
-                <a:shade val="100000"/>
-              </a:schemeClr>
-            </a:gs>
-            <a:gs pos="100000">
-              <a:schemeClr val="phClr">
-                <a:lumMod val="99000"/>
-                <a:satMod val="120000"/>
-                <a:shade val="78000"/>
-              </a:schemeClr>
-            </a:gs>
-          </a:gsLst>
-          <a:lin ang="5400000" scaled="0"/>
-        </a:gradFill>
-      </a:fillStyleLst>
-      <a:lnStyleLst>
-        <a:ln w="6350" cap="flat" cmpd="sng" algn="ctr">
-          <a:solidFill>
-            <a:schemeClr val="phClr"/>
-          </a:solidFill>
-          <a:prstDash val="solid"/>
-          <a:miter lim="800000"/>
-        </a:ln>
-        <a:ln w="12700" cap="flat" cmpd="sng" algn="ctr">
-          <a:solidFill>
-            <a:schemeClr val="phClr"/>
-          </a:solidFill>
-          <a:prstDash val="solid"/>
-          <a:miter lim="800000"/>
-        </a:ln>
-        <a:ln w="19050" cap="flat" cmpd="sng" algn="ctr">
-          <a:solidFill>
-            <a:schemeClr val="phClr"/>
-          </a:solidFill>
-          <a:prstDash val="solid"/>
-          <a:miter lim="800000"/>
-        </a:ln>
-      </a:lnStyleLst>
-      <a:effectStyleLst>
-        <a:effectStyle>
-          <a:effectLst/>
-        </a:effectStyle>
-        <a:effectStyle>
-          <a:effectLst/>
-        </a:effectStyle>
-        <a:effectStyle>
-          <a:effectLst>
-            <a:outerShdw blurRad="57150" dist="19050" dir="5400000" algn="ctr" rotWithShape="0">
-              <a:srgbClr val="000000">
-                <a:alpha val="63000"/>
-              </a:srgbClr>
-            </a:outerShdw>
-          </a:effectLst>
-        </a:effectStyle>
-      </a:effectStyleLst>
-      <a:bgFillStyleLst>
-        <a:solidFill>
-          <a:schemeClr val="phClr"/>
-        </a:solidFill>
-        <a:solidFill>
-          <a:schemeClr val="phClr">
-            <a:tint val="95000"/>
-            <a:satMod val="170000"/>
-          </a:schemeClr>
-        </a:solidFill>
-        <a:gradFill rotWithShape="1">
-          <a:gsLst>
-            <a:gs pos="0">
-              <a:schemeClr val="phClr">
-                <a:tint val="93000"/>
-                <a:satMod val="150000"/>
-                <a:shade val="98000"/>
-                <a:lumMod val="102000"/>
-              </a:schemeClr>
-            </a:gs>
-            <a:gs pos="50000">
-              <a:schemeClr val="phClr">
-                <a:tint val="98000"/>
-                <a:satMod val="130000"/>
-                <a:shade val="90000"/>
-                <a:lumMod val="103000"/>
-              </a:schemeClr>
-            </a:gs>
-            <a:gs pos="100000">
-              <a:schemeClr val="phClr">
-                <a:shade val="63000"/>
-                <a:satMod val="120000"/>
-              </a:schemeClr>
-            </a:gs>
-          </a:gsLst>
-          <a:lin ang="5400000" scaled="0"/>
-        </a:gradFill>
-      </a:bgFillStyleLst>
-    </a:fmtScheme>
-  </a:themeElements>
-  <a:objectDefaults/>
-  <a:extraClrSchemeLst/>
-  <a:extLst>
-    <a:ext uri="{05A4C25C-085E-4340-85A3-A5531E510DB2}">
-      <thm15:themeFamily xmlns:thm15="http://schemas.microsoft.com/office/thememl/2012/main" name="Office Theme" id="{62F939B6-93AF-4DB8-9C6B-D6C7DFDC589F}" vid="{4A3C46E8-61CC-4603-A589-7422A47A8E4A}"/>
-    </a:ext>
-  </a:extLst>
-</a:theme>
-</file>
-
-<file path=ppt/theme/theme2.xml><?xml version="1.0" encoding="utf-8"?>
-<a:theme xmlns:a="http://schemas.openxmlformats.org/drawingml/2006/main" name="Office Theme">
-  <a:themeElements>
-    <a:clrScheme name="Office">
-      <a:dk1>
-        <a:sysClr val="windowText" lastClr="000000"/>
-      </a:dk1>
-      <a:lt1>
-        <a:sysClr val="window" lastClr="CCE8CF"/>
-      </a:lt1>
-      <a:dk2>
-        <a:srgbClr val="44546A"/>
-      </a:dk2>
-      <a:lt2>
-        <a:srgbClr val="E7E6E6"/>
-      </a:lt2>
-      <a:accent1>
-        <a:srgbClr val="5B9BD5"/>
-      </a:accent1>
-      <a:accent2>
-        <a:srgbClr val="ED7D31"/>
-      </a:accent2>
-      <a:accent3>
-        <a:srgbClr val="A5A5A5"/>
-      </a:accent3>
-      <a:accent4>
-        <a:srgbClr val="FFC000"/>
-      </a:accent4>
-      <a:accent5>
-        <a:srgbClr val="4472C4"/>
-      </a:accent5>
-      <a:accent6>
-        <a:srgbClr val="70AD47"/>
-      </a:accent6>
-      <a:hlink>
-        <a:srgbClr val="0563C1"/>
-      </a:hlink>
-      <a:folHlink>
-        <a:srgbClr val="954F72"/>
-      </a:folHlink>
-    </a:clrScheme>
-    <a:fontScheme name="Office">
-      <a:majorFont>
-        <a:latin typeface="Calibri Light" panose="020F0302020204030204"/>
-        <a:ea typeface=""/>
-        <a:cs typeface=""/>
-        <a:font script="Jpan" typeface="ＭＳ Ｐゴシック"/>
-        <a:font script="Hang" typeface="맑은 고딕"/>
-        <a:font script="Hans" typeface="宋体"/>
-        <a:font script="Hant" typeface="新細明體"/>
-        <a:font script="Arab" typeface="Times New Roman"/>
-        <a:font script="Hebr" typeface="Times New Roman"/>
-        <a:font script="Thai" typeface="Angsana New"/>
-        <a:font script="Ethi" typeface="Nyala"/>
-        <a:font script="Beng" typeface="Vrinda"/>
-        <a:font script="Gujr" typeface="Shruti"/>
-        <a:font script="Khmr" typeface="MoolBoran"/>
-        <a:font script="Knda" typeface="Tunga"/>
-        <a:font script="Guru" typeface="Raavi"/>
-        <a:font script="Cans" typeface="Euphemia"/>
-        <a:font script="Cher" typeface="Plantagenet Cherokee"/>
-        <a:font script="Yiii" typeface="Microsoft Yi Baiti"/>
-        <a:font script="Tibt" typeface="Microsoft Himalaya"/>
-        <a:font script="Thaa" typeface="MV Boli"/>
-        <a:font script="Deva" typeface="Mangal"/>
-        <a:font script="Telu" typeface="Gautami"/>
-        <a:font script="Taml" typeface="Latha"/>
-        <a:font script="Syrc" typeface="Estrangelo Edessa"/>
-        <a:font script="Orya" typeface="Kalinga"/>
-        <a:font script="Mlym" typeface="Kartika"/>
-        <a:font script="Laoo" typeface="DokChampa"/>
-        <a:font script="Sinh" typeface="Iskoola Pota"/>
-        <a:font script="Mong" typeface="Mongolian Baiti"/>
-        <a:font script="Viet" typeface="Times New Roman"/>
-        <a:font script="Uigh" typeface="Microsoft Uighur"/>
-        <a:font script="Geor" typeface="Sylfaen"/>
-      </a:majorFont>
-      <a:minorFont>
-        <a:latin typeface="Calibri" panose="020F0502020204030204"/>
+        <a:latin typeface="Calibri"/>
         <a:ea typeface=""/>
         <a:cs typeface=""/>
         <a:font script="Jpan" typeface="ＭＳ Ｐゴシック"/>
